--- a/img/broad-revocation.pptx
+++ b/img/broad-revocation.pptx
@@ -151,7 +151,7 @@
       </p14:sectionLst>
     </p:ext>
     <p:ext uri="{EFAFB233-063F-42B5-8137-9DF3F51BA10A}">
-      <p15:sldGuideLst xmlns:p15="http://schemas.microsoft.com/office/powerpoint/2012/main" xmlns="">
+      <p15:sldGuideLst xmlns="" xmlns:p15="http://schemas.microsoft.com/office/powerpoint/2012/main">
         <p15:guide id="1" orient="horz" pos="2160">
           <p15:clr>
             <a:srgbClr val="A4A3A4"/>
@@ -165,7 +165,7 @@
       </p15:sldGuideLst>
     </p:ext>
     <p:ext uri="{2D200454-40CA-4A62-9FC3-DE9A4176ACB9}">
-      <p15:notesGuideLst xmlns:p15="http://schemas.microsoft.com/office/powerpoint/2012/main" xmlns="">
+      <p15:notesGuideLst xmlns="" xmlns:p15="http://schemas.microsoft.com/office/powerpoint/2012/main">
         <p15:guide id="1" orient="horz" pos="3223">
           <p15:clr>
             <a:srgbClr val="A4A3A4"/>
@@ -1949,8 +1949,8 @@
           <a:chExt cx="0" cy="0"/>
         </a:xfrm>
       </p:grpSpPr>
-      <mc:AlternateContent xmlns:mc="http://schemas.openxmlformats.org/markup-compatibility/2006">
-        <mc:Choice xmlns:a14="http://schemas.microsoft.com/office/drawing/2010/main" Requires="a14">
+      <mc:AlternateContent xmlns:mc="http://schemas.openxmlformats.org/markup-compatibility/2006" xmlns:a14="http://schemas.microsoft.com/office/drawing/2010/main">
+        <mc:Choice Requires="a14">
           <p:sp>
             <p:nvSpPr>
               <p:cNvPr id="15" name="正方形/長方形 14"/>
@@ -2051,7 +2051,7 @@
             </p:txBody>
           </p:sp>
         </mc:Choice>
-        <mc:Fallback>
+        <mc:Fallback xmlns="">
           <p:sp>
             <p:nvSpPr>
               <p:cNvPr id="15" name="正方形/長方形 14"/>
@@ -2135,8 +2135,8 @@
           </a:fontRef>
         </p:style>
       </p:cxnSp>
-      <mc:AlternateContent xmlns:mc="http://schemas.openxmlformats.org/markup-compatibility/2006">
-        <mc:Choice xmlns:a14="http://schemas.microsoft.com/office/drawing/2010/main" Requires="a14">
+      <mc:AlternateContent xmlns:mc="http://schemas.openxmlformats.org/markup-compatibility/2006" xmlns:a14="http://schemas.microsoft.com/office/drawing/2010/main">
+        <mc:Choice Requires="a14">
           <p:sp>
             <p:nvSpPr>
               <p:cNvPr id="28" name="正方形/長方形 27"/>
@@ -2237,7 +2237,7 @@
             </p:txBody>
           </p:sp>
         </mc:Choice>
-        <mc:Fallback>
+        <mc:Fallback xmlns="">
           <p:sp>
             <p:nvSpPr>
               <p:cNvPr id="28" name="正方形/長方形 27"/>
@@ -2282,8 +2282,8 @@
           </p:sp>
         </mc:Fallback>
       </mc:AlternateContent>
-      <mc:AlternateContent xmlns:mc="http://schemas.openxmlformats.org/markup-compatibility/2006" xmlns:a14="http://schemas.microsoft.com/office/drawing/2010/main">
-        <mc:Choice Requires="a14">
+      <mc:AlternateContent xmlns:mc="http://schemas.openxmlformats.org/markup-compatibility/2006">
+        <mc:Choice xmlns:a14="http://schemas.microsoft.com/office/drawing/2010/main" Requires="a14">
           <p:sp>
             <p:nvSpPr>
               <p:cNvPr id="29" name="正方形/長方形 28"/>
@@ -2298,7 +2298,11 @@
               <a:prstGeom prst="rect">
                 <a:avLst/>
               </a:prstGeom>
-              <a:noFill/>
+              <a:solidFill>
+                <a:schemeClr val="bg1">
+                  <a:lumMod val="85000"/>
+                </a:schemeClr>
+              </a:solidFill>
               <a:ln w="6350">
                 <a:solidFill>
                   <a:srgbClr val="000000"/>
@@ -2384,7 +2388,7 @@
             </p:txBody>
           </p:sp>
         </mc:Choice>
-        <mc:Fallback xmlns="">
+        <mc:Fallback>
           <p:sp>
             <p:nvSpPr>
               <p:cNvPr id="29" name="正方形/長方形 28"/>
@@ -2429,8 +2433,8 @@
           </p:sp>
         </mc:Fallback>
       </mc:AlternateContent>
-      <mc:AlternateContent xmlns:mc="http://schemas.openxmlformats.org/markup-compatibility/2006">
-        <mc:Choice xmlns:a14="http://schemas.microsoft.com/office/drawing/2010/main" Requires="a14">
+      <mc:AlternateContent xmlns:mc="http://schemas.openxmlformats.org/markup-compatibility/2006" xmlns:a14="http://schemas.microsoft.com/office/drawing/2010/main">
+        <mc:Choice Requires="a14">
           <p:sp>
             <p:nvSpPr>
               <p:cNvPr id="30" name="正方形/長方形 29"/>
@@ -2531,7 +2535,7 @@
             </p:txBody>
           </p:sp>
         </mc:Choice>
-        <mc:Fallback>
+        <mc:Fallback xmlns="">
           <p:sp>
             <p:nvSpPr>
               <p:cNvPr id="30" name="正方形/長方形 29"/>
@@ -2576,8 +2580,8 @@
           </p:sp>
         </mc:Fallback>
       </mc:AlternateContent>
-      <mc:AlternateContent xmlns:mc="http://schemas.openxmlformats.org/markup-compatibility/2006">
-        <mc:Choice xmlns:a14="http://schemas.microsoft.com/office/drawing/2010/main" Requires="a14">
+      <mc:AlternateContent xmlns:mc="http://schemas.openxmlformats.org/markup-compatibility/2006" xmlns:a14="http://schemas.microsoft.com/office/drawing/2010/main">
+        <mc:Choice Requires="a14">
           <p:sp>
             <p:nvSpPr>
               <p:cNvPr id="31" name="正方形/長方形 30"/>
@@ -2678,7 +2682,7 @@
             </p:txBody>
           </p:sp>
         </mc:Choice>
-        <mc:Fallback>
+        <mc:Fallback xmlns="">
           <p:sp>
             <p:nvSpPr>
               <p:cNvPr id="31" name="正方形/長方形 30"/>
@@ -2723,8 +2727,8 @@
           </p:sp>
         </mc:Fallback>
       </mc:AlternateContent>
-      <mc:AlternateContent xmlns:mc="http://schemas.openxmlformats.org/markup-compatibility/2006">
-        <mc:Choice xmlns:a14="http://schemas.microsoft.com/office/drawing/2010/main" Requires="a14">
+      <mc:AlternateContent xmlns:mc="http://schemas.openxmlformats.org/markup-compatibility/2006" xmlns:a14="http://schemas.microsoft.com/office/drawing/2010/main">
+        <mc:Choice Requires="a14">
           <p:sp>
             <p:nvSpPr>
               <p:cNvPr id="32" name="正方形/長方形 31"/>
@@ -2825,7 +2829,7 @@
             </p:txBody>
           </p:sp>
         </mc:Choice>
-        <mc:Fallback>
+        <mc:Fallback xmlns="">
           <p:sp>
             <p:nvSpPr>
               <p:cNvPr id="32" name="正方形/長方形 31"/>
@@ -2870,8 +2874,8 @@
           </p:sp>
         </mc:Fallback>
       </mc:AlternateContent>
-      <mc:AlternateContent xmlns:mc="http://schemas.openxmlformats.org/markup-compatibility/2006">
-        <mc:Choice xmlns:a14="http://schemas.microsoft.com/office/drawing/2010/main" Requires="a14">
+      <mc:AlternateContent xmlns:mc="http://schemas.openxmlformats.org/markup-compatibility/2006" xmlns:a14="http://schemas.microsoft.com/office/drawing/2010/main">
+        <mc:Choice Requires="a14">
           <p:sp>
             <p:nvSpPr>
               <p:cNvPr id="33" name="正方形/長方形 32"/>
@@ -2972,7 +2976,7 @@
             </p:txBody>
           </p:sp>
         </mc:Choice>
-        <mc:Fallback>
+        <mc:Fallback xmlns="">
           <p:sp>
             <p:nvSpPr>
               <p:cNvPr id="33" name="正方形/長方形 32"/>
@@ -3017,8 +3021,8 @@
           </p:sp>
         </mc:Fallback>
       </mc:AlternateContent>
-      <mc:AlternateContent xmlns:mc="http://schemas.openxmlformats.org/markup-compatibility/2006">
-        <mc:Choice xmlns:a14="http://schemas.microsoft.com/office/drawing/2010/main" Requires="a14">
+      <mc:AlternateContent xmlns:mc="http://schemas.openxmlformats.org/markup-compatibility/2006" xmlns:a14="http://schemas.microsoft.com/office/drawing/2010/main">
+        <mc:Choice Requires="a14">
           <p:sp>
             <p:nvSpPr>
               <p:cNvPr id="34" name="正方形/長方形 33"/>
@@ -3119,7 +3123,7 @@
             </p:txBody>
           </p:sp>
         </mc:Choice>
-        <mc:Fallback>
+        <mc:Fallback xmlns="">
           <p:sp>
             <p:nvSpPr>
               <p:cNvPr id="34" name="正方形/長方形 33"/>
@@ -3164,8 +3168,8 @@
           </p:sp>
         </mc:Fallback>
       </mc:AlternateContent>
-      <mc:AlternateContent xmlns:mc="http://schemas.openxmlformats.org/markup-compatibility/2006" xmlns:a14="http://schemas.microsoft.com/office/drawing/2010/main">
-        <mc:Choice Requires="a14">
+      <mc:AlternateContent xmlns:mc="http://schemas.openxmlformats.org/markup-compatibility/2006">
+        <mc:Choice xmlns:a14="http://schemas.microsoft.com/office/drawing/2010/main" Requires="a14">
           <p:sp>
             <p:nvSpPr>
               <p:cNvPr id="54" name="正方形/長方形 53"/>
@@ -3180,7 +3184,11 @@
               <a:prstGeom prst="rect">
                 <a:avLst/>
               </a:prstGeom>
-              <a:noFill/>
+              <a:solidFill>
+                <a:schemeClr val="bg1">
+                  <a:lumMod val="85000"/>
+                </a:schemeClr>
+              </a:solidFill>
               <a:ln w="6350">
                 <a:solidFill>
                   <a:srgbClr val="000000"/>
@@ -3276,7 +3284,7 @@
             </p:txBody>
           </p:sp>
         </mc:Choice>
-        <mc:Fallback xmlns="">
+        <mc:Fallback>
           <p:sp>
             <p:nvSpPr>
               <p:cNvPr id="54" name="正方形/長方形 53"/>
@@ -3321,8 +3329,8 @@
           </p:sp>
         </mc:Fallback>
       </mc:AlternateContent>
-      <mc:AlternateContent xmlns:mc="http://schemas.openxmlformats.org/markup-compatibility/2006">
-        <mc:Choice xmlns:a14="http://schemas.microsoft.com/office/drawing/2010/main" Requires="a14">
+      <mc:AlternateContent xmlns:mc="http://schemas.openxmlformats.org/markup-compatibility/2006" xmlns:a14="http://schemas.microsoft.com/office/drawing/2010/main">
+        <mc:Choice Requires="a14">
           <p:sp>
             <p:nvSpPr>
               <p:cNvPr id="60" name="正方形/長方形 59"/>
@@ -3433,7 +3441,7 @@
             </p:txBody>
           </p:sp>
         </mc:Choice>
-        <mc:Fallback>
+        <mc:Fallback xmlns="">
           <p:sp>
             <p:nvSpPr>
               <p:cNvPr id="60" name="正方形/長方形 59"/>
@@ -3478,8 +3486,8 @@
           </p:sp>
         </mc:Fallback>
       </mc:AlternateContent>
-      <mc:AlternateContent xmlns:mc="http://schemas.openxmlformats.org/markup-compatibility/2006">
-        <mc:Choice xmlns:a14="http://schemas.microsoft.com/office/drawing/2010/main" Requires="a14">
+      <mc:AlternateContent xmlns:mc="http://schemas.openxmlformats.org/markup-compatibility/2006" xmlns:a14="http://schemas.microsoft.com/office/drawing/2010/main">
+        <mc:Choice Requires="a14">
           <p:sp>
             <p:nvSpPr>
               <p:cNvPr id="61" name="正方形/長方形 60"/>
@@ -3590,7 +3598,7 @@
             </p:txBody>
           </p:sp>
         </mc:Choice>
-        <mc:Fallback>
+        <mc:Fallback xmlns="">
           <p:sp>
             <p:nvSpPr>
               <p:cNvPr id="61" name="正方形/長方形 60"/>
@@ -3635,8 +3643,8 @@
           </p:sp>
         </mc:Fallback>
       </mc:AlternateContent>
-      <mc:AlternateContent xmlns:mc="http://schemas.openxmlformats.org/markup-compatibility/2006">
-        <mc:Choice xmlns:a14="http://schemas.microsoft.com/office/drawing/2010/main" Requires="a14">
+      <mc:AlternateContent xmlns:mc="http://schemas.openxmlformats.org/markup-compatibility/2006" xmlns:a14="http://schemas.microsoft.com/office/drawing/2010/main">
+        <mc:Choice Requires="a14">
           <p:sp>
             <p:nvSpPr>
               <p:cNvPr id="62" name="正方形/長方形 61"/>
@@ -3747,7 +3755,7 @@
             </p:txBody>
           </p:sp>
         </mc:Choice>
-        <mc:Fallback>
+        <mc:Fallback xmlns="">
           <p:sp>
             <p:nvSpPr>
               <p:cNvPr id="62" name="正方形/長方形 61"/>
@@ -4103,8 +4111,8 @@
           </a:fontRef>
         </p:style>
       </p:cxnSp>
-      <mc:AlternateContent xmlns:mc="http://schemas.openxmlformats.org/markup-compatibility/2006">
-        <mc:Choice xmlns:a14="http://schemas.microsoft.com/office/drawing/2010/main" Requires="a14">
+      <mc:AlternateContent xmlns:mc="http://schemas.openxmlformats.org/markup-compatibility/2006" xmlns:a14="http://schemas.microsoft.com/office/drawing/2010/main">
+        <mc:Choice Requires="a14">
           <p:sp>
             <p:nvSpPr>
               <p:cNvPr id="72" name="正方形/長方形 71"/>
@@ -4215,7 +4223,7 @@
             </p:txBody>
           </p:sp>
         </mc:Choice>
-        <mc:Fallback>
+        <mc:Fallback xmlns="">
           <p:sp>
             <p:nvSpPr>
               <p:cNvPr id="72" name="正方形/長方形 71"/>
@@ -4260,8 +4268,8 @@
           </p:sp>
         </mc:Fallback>
       </mc:AlternateContent>
-      <mc:AlternateContent xmlns:mc="http://schemas.openxmlformats.org/markup-compatibility/2006" xmlns:a14="http://schemas.microsoft.com/office/drawing/2010/main">
-        <mc:Choice Requires="a14">
+      <mc:AlternateContent xmlns:mc="http://schemas.openxmlformats.org/markup-compatibility/2006">
+        <mc:Choice xmlns:a14="http://schemas.microsoft.com/office/drawing/2010/main" Requires="a14">
           <p:sp>
             <p:nvSpPr>
               <p:cNvPr id="73" name="正方形/長方形 72"/>
@@ -4276,7 +4284,11 @@
               <a:prstGeom prst="rect">
                 <a:avLst/>
               </a:prstGeom>
-              <a:noFill/>
+              <a:solidFill>
+                <a:schemeClr val="bg1">
+                  <a:lumMod val="85000"/>
+                </a:schemeClr>
+              </a:solidFill>
               <a:ln w="6350">
                 <a:solidFill>
                   <a:srgbClr val="000000"/>
@@ -4399,7 +4411,7 @@
             </p:txBody>
           </p:sp>
         </mc:Choice>
-        <mc:Fallback xmlns="">
+        <mc:Fallback>
           <p:sp>
             <p:nvSpPr>
               <p:cNvPr id="73" name="正方形/長方形 72"/>
@@ -4444,8 +4456,8 @@
           </p:sp>
         </mc:Fallback>
       </mc:AlternateContent>
-      <mc:AlternateContent xmlns:mc="http://schemas.openxmlformats.org/markup-compatibility/2006">
-        <mc:Choice xmlns:a14="http://schemas.microsoft.com/office/drawing/2010/main" Requires="a14">
+      <mc:AlternateContent xmlns:mc="http://schemas.openxmlformats.org/markup-compatibility/2006" xmlns:a14="http://schemas.microsoft.com/office/drawing/2010/main">
+        <mc:Choice Requires="a14">
           <p:sp>
             <p:nvSpPr>
               <p:cNvPr id="74" name="正方形/長方形 73"/>
@@ -4529,7 +4541,7 @@
             </p:txBody>
           </p:sp>
         </mc:Choice>
-        <mc:Fallback>
+        <mc:Fallback xmlns="">
           <p:sp>
             <p:nvSpPr>
               <p:cNvPr id="74" name="正方形/長方形 73"/>
